--- a/result/LOKT BNP JUIN 2022- TBDresult.pptx
+++ b/result/LOKT BNP JUIN 2022- TBDresult.pptx
@@ -11201,10 +11201,10 @@
           </a:lstStyle>
           <a:p>
             <a:r>
-              <a:rPr lang="fr-FR" sz="1200" cap="none" dirty="0">
+              <a:rPr lang="fr-FR" sz="1200" cap="none">
                 <a:latin typeface="Futura PT" panose="020B0902020204020203" pitchFamily="34" charset="0"/>
               </a:rPr>
-              <a:t>ÉVOLUTION DE/DES l’action </a:t>
+              <a:t>ÉVOLUTION &lt;SJR6&gt; </a:t>
             </a:r>
             <a:r>
               <a:rPr lang="fr-FR" sz="1200" cap="none" dirty="0">
@@ -18919,23 +18919,6 @@
 </file>
 
 <file path=customXml/item1.xml><?xml version="1.0" encoding="utf-8"?>
-<p:properties xmlns:p="http://schemas.microsoft.com/office/2006/metadata/properties" xmlns:xsi="http://www.w3.org/2001/XMLSchema-instance" xmlns:pc="http://schemas.microsoft.com/office/infopath/2007/PartnerControls">
-  <documentManagement>
-    <_Flow_SignoffStatus xmlns="ef624bc2-1644-4d69-8362-5c28ca496374" xsi:nil="true"/>
-  </documentManagement>
-</p:properties>
-</file>
-
-<file path=customXml/item2.xml><?xml version="1.0" encoding="utf-8"?>
-<?mso-contentType ?>
-<FormTemplates xmlns="http://schemas.microsoft.com/sharepoint/v3/contenttype/forms">
-  <Display>DocumentLibraryForm</Display>
-  <Edit>DocumentLibraryForm</Edit>
-  <New>DocumentLibraryForm</New>
-</FormTemplates>
-</file>
-
-<file path=customXml/item3.xml><?xml version="1.0" encoding="utf-8"?>
 <ct:contentTypeSchema xmlns:ct="http://schemas.microsoft.com/office/2006/metadata/contentType" xmlns:ma="http://schemas.microsoft.com/office/2006/metadata/properties/metaAttributes" ct:_="" ma:_="" ma:contentTypeName="Document" ma:contentTypeID="0x0101005DDE610BC516E448BB8152259F39635A" ma:contentTypeVersion="13" ma:contentTypeDescription="Crée un document." ma:contentTypeScope="" ma:versionID="4e51a0dab1f5d4663d954168d546c586">
   <xsd:schema xmlns:xsd="http://www.w3.org/2001/XMLSchema" xmlns:xs="http://www.w3.org/2001/XMLSchema" xmlns:p="http://schemas.microsoft.com/office/2006/metadata/properties" xmlns:ns2="ef624bc2-1644-4d69-8362-5c28ca496374" xmlns:ns3="514a554b-82b0-4359-b247-fc84018a95f0" targetNamespace="http://schemas.microsoft.com/office/2006/metadata/properties" ma:root="true" ma:fieldsID="d7b51e5f287975310341ecd8502634d3" ns2:_="" ns3:_="">
     <xsd:import namespace="ef624bc2-1644-4d69-8362-5c28ca496374"/>
@@ -19158,32 +19141,24 @@
 </ct:contentTypeSchema>
 </file>
 
-<file path=customXml/itemProps1.xml><?xml version="1.0" encoding="utf-8"?>
-<ds:datastoreItem xmlns:ds="http://schemas.openxmlformats.org/officeDocument/2006/customXml" ds:itemID="{25DE574B-2CD2-4078-9BEA-2A14717D9698}">
-  <ds:schemaRefs>
-    <ds:schemaRef ds:uri="http://schemas.microsoft.com/office/2006/documentManagement/types"/>
-    <ds:schemaRef ds:uri="ef624bc2-1644-4d69-8362-5c28ca496374"/>
-    <ds:schemaRef ds:uri="http://purl.org/dc/terms/"/>
-    <ds:schemaRef ds:uri="http://purl.org/dc/dcmitype/"/>
-    <ds:schemaRef ds:uri="http://schemas.microsoft.com/office/infopath/2007/PartnerControls"/>
-    <ds:schemaRef ds:uri="http://schemas.openxmlformats.org/package/2006/metadata/core-properties"/>
-    <ds:schemaRef ds:uri="514a554b-82b0-4359-b247-fc84018a95f0"/>
-    <ds:schemaRef ds:uri="http://schemas.microsoft.com/office/2006/metadata/properties"/>
-    <ds:schemaRef ds:uri="http://www.w3.org/XML/1998/namespace"/>
-    <ds:schemaRef ds:uri="http://purl.org/dc/elements/1.1/"/>
-  </ds:schemaRefs>
-</ds:datastoreItem>
+<file path=customXml/item2.xml><?xml version="1.0" encoding="utf-8"?>
+<?mso-contentType ?>
+<FormTemplates xmlns="http://schemas.microsoft.com/sharepoint/v3/contenttype/forms">
+  <Display>DocumentLibraryForm</Display>
+  <Edit>DocumentLibraryForm</Edit>
+  <New>DocumentLibraryForm</New>
+</FormTemplates>
 </file>
 
-<file path=customXml/itemProps2.xml><?xml version="1.0" encoding="utf-8"?>
-<ds:datastoreItem xmlns:ds="http://schemas.openxmlformats.org/officeDocument/2006/customXml" ds:itemID="{B00FC41E-FBDE-42E2-B58A-20EBD240A376}">
-  <ds:schemaRefs>
-    <ds:schemaRef ds:uri="http://schemas.microsoft.com/sharepoint/v3/contenttype/forms"/>
-  </ds:schemaRefs>
-</ds:datastoreItem>
+<file path=customXml/item3.xml><?xml version="1.0" encoding="utf-8"?>
+<p:properties xmlns:p="http://schemas.microsoft.com/office/2006/metadata/properties" xmlns:xsi="http://www.w3.org/2001/XMLSchema-instance" xmlns:pc="http://schemas.microsoft.com/office/infopath/2007/PartnerControls">
+  <documentManagement>
+    <_Flow_SignoffStatus xmlns="ef624bc2-1644-4d69-8362-5c28ca496374" xsi:nil="true"/>
+  </documentManagement>
+</p:properties>
 </file>
 
-<file path=customXml/itemProps3.xml><?xml version="1.0" encoding="utf-8"?>
+<file path=customXml/itemProps1.xml><?xml version="1.0" encoding="utf-8"?>
 <ds:datastoreItem xmlns:ds="http://schemas.openxmlformats.org/officeDocument/2006/customXml" ds:itemID="{41EF0323-6FE8-41A6-BEA1-CC5178579BBD}">
   <ds:schemaRefs>
     <ds:schemaRef ds:uri="http://schemas.microsoft.com/office/2006/metadata/contentType"/>
@@ -19200,4 +19175,29 @@
     <ds:schemaRef ds:uri="http://schemas.microsoft.com/internal/obd"/>
   </ds:schemaRefs>
 </ds:datastoreItem>
+</file>
+
+<file path=customXml/itemProps2.xml><?xml version="1.0" encoding="utf-8"?>
+<ds:datastoreItem xmlns:ds="http://schemas.openxmlformats.org/officeDocument/2006/customXml" ds:itemID="{B00FC41E-FBDE-42E2-B58A-20EBD240A376}">
+  <ds:schemaRefs>
+    <ds:schemaRef ds:uri="http://schemas.microsoft.com/sharepoint/v3/contenttype/forms"/>
+  </ds:schemaRefs>
+</ds:datastoreItem>
+</file>
+
+<file path=customXml/itemProps3.xml><?xml version="1.0" encoding="utf-8"?>
+<ds:datastoreItem xmlns:ds="http://schemas.openxmlformats.org/officeDocument/2006/customXml" ds:itemID="{25DE574B-2CD2-4078-9BEA-2A14717D9698}">
+  <ds:schemaRefs>
+    <ds:schemaRef ds:uri="http://schemas.microsoft.com/office/2006/documentManagement/types"/>
+    <ds:schemaRef ds:uri="ef624bc2-1644-4d69-8362-5c28ca496374"/>
+    <ds:schemaRef ds:uri="http://purl.org/dc/terms/"/>
+    <ds:schemaRef ds:uri="http://purl.org/dc/dcmitype/"/>
+    <ds:schemaRef ds:uri="http://schemas.microsoft.com/office/infopath/2007/PartnerControls"/>
+    <ds:schemaRef ds:uri="http://schemas.openxmlformats.org/package/2006/metadata/core-properties"/>
+    <ds:schemaRef ds:uri="514a554b-82b0-4359-b247-fc84018a95f0"/>
+    <ds:schemaRef ds:uri="http://schemas.microsoft.com/office/2006/metadata/properties"/>
+    <ds:schemaRef ds:uri="http://www.w3.org/XML/1998/namespace"/>
+    <ds:schemaRef ds:uri="http://purl.org/dc/elements/1.1/"/>
+  </ds:schemaRefs>
+</ds:datastoreItem>
 </file>